--- a/Covid project SQL.pptx
+++ b/Covid project SQL.pptx
@@ -24956,71 +24956,6 @@
           </a:p>
         </p:txBody>
       </p:sp>
-      <p:sp>
-        <p:nvSpPr>
-          <p:cNvPr id="3" name="Subtitle 2">
-            <a:extLst>
-              <a:ext uri="{FF2B5EF4-FFF2-40B4-BE49-F238E27FC236}">
-                <a16:creationId xmlns:a16="http://schemas.microsoft.com/office/drawing/2014/main" id="{66F96E55-44BF-5240-AA7A-357FDCC911BF}"/>
-              </a:ext>
-            </a:extLst>
-          </p:cNvPr>
-          <p:cNvSpPr>
-            <a:spLocks noGrp="1"/>
-          </p:cNvSpPr>
-          <p:nvPr>
-            <p:ph type="subTitle" idx="1"/>
-          </p:nvPr>
-        </p:nvSpPr>
-        <p:spPr>
-          <a:xfrm>
-            <a:off x="137653" y="3596968"/>
-            <a:ext cx="3716594" cy="488181"/>
-          </a:xfrm>
-        </p:spPr>
-        <p:txBody>
-          <a:bodyPr>
-            <a:normAutofit fontScale="40000" lnSpcReduction="20000"/>
-          </a:bodyPr>
-          <a:lstStyle/>
-          <a:p>
-            <a:pPr marL="0" marR="0" lvl="0" indent="0" algn="l" defTabSz="914400" rtl="0" eaLnBrk="1" fontAlgn="auto" latinLnBrk="0" hangingPunct="1">
-              <a:lnSpc>
-                <a:spcPct val="100000"/>
-              </a:lnSpc>
-              <a:spcBef>
-                <a:spcPts val="0"/>
-              </a:spcBef>
-              <a:spcAft>
-                <a:spcPts val="0"/>
-              </a:spcAft>
-              <a:buClrTx/>
-              <a:buSzTx/>
-              <a:buFontTx/>
-              <a:buNone/>
-              <a:tabLst/>
-              <a:defRPr/>
-            </a:pPr>
-            <a:r>
-              <a:rPr kumimoji="0" lang="en-US" sz="5400" b="1" i="0" u="none" strike="noStrike" kern="1200" cap="none" spc="0" normalizeH="0" baseline="0" noProof="0" dirty="0">
-                <a:ln>
-                  <a:noFill/>
-                </a:ln>
-                <a:solidFill>
-                  <a:srgbClr val="FFFF00"/>
-                </a:solidFill>
-                <a:effectLst/>
-                <a:uLnTx/>
-                <a:uFillTx/>
-                <a:latin typeface="Avenir Next LT Pro" panose="020B0504020202020204" pitchFamily="34" charset="77"/>
-                <a:ea typeface="+mn-ea"/>
-                <a:cs typeface="+mn-cs"/>
-              </a:rPr>
-              <a:t>By- Shubhangi Chidrewar</a:t>
-            </a:r>
-          </a:p>
-        </p:txBody>
-      </p:sp>
     </p:spTree>
     <p:extLst>
       <p:ext uri="{BB962C8B-B14F-4D97-AF65-F5344CB8AC3E}">
